--- a/Deployment/Edge_Artificial_Intelligence.pptx
+++ b/Deployment/Edge_Artificial_Intelligence.pptx
@@ -26,8 +26,7 @@
     <p:sldId id="313" r:id="rId20"/>
     <p:sldId id="314" r:id="rId21"/>
     <p:sldId id="315" r:id="rId22"/>
-    <p:sldId id="316" r:id="rId23"/>
-    <p:sldId id="287" r:id="rId24"/>
+    <p:sldId id="287" r:id="rId23"/>
   </p:sldIdLst>
   <p:sldSz cx="9144000" cy="6858000" type="screen4x3"/>
   <p:notesSz cx="6858000" cy="9144000"/>
@@ -128,7 +127,7 @@
   </p:defaultTextStyle>
   <p:extLst>
     <p:ext uri="{EFAFB233-063F-42B5-8137-9DF3F51BA10A}">
-      <p15:sldGuideLst xmlns:p15="http://schemas.microsoft.com/office/powerpoint/2012/main" xmlns="">
+      <p15:sldGuideLst xmlns="" xmlns:p15="http://schemas.microsoft.com/office/powerpoint/2012/main">
         <p15:guide id="1" orient="horz" pos="2160">
           <p15:clr>
             <a:srgbClr val="A4A3A4"/>
@@ -325,7 +324,7 @@
             <a:fld id="{1D8BD707-D9CF-40AE-B4C6-C98DA3205C09}" type="datetimeFigureOut">
               <a:rPr lang="en-US" smtClean="0"/>
               <a:pPr/>
-              <a:t>6/6/2024</a:t>
+              <a:t>6/7/2024</a:t>
             </a:fld>
             <a:endParaRPr lang="en-US"/>
           </a:p>
@@ -490,7 +489,7 @@
             <a:fld id="{1D8BD707-D9CF-40AE-B4C6-C98DA3205C09}" type="datetimeFigureOut">
               <a:rPr lang="en-US" smtClean="0"/>
               <a:pPr/>
-              <a:t>6/6/2024</a:t>
+              <a:t>6/7/2024</a:t>
             </a:fld>
             <a:endParaRPr lang="en-US"/>
           </a:p>
@@ -665,7 +664,7 @@
             <a:fld id="{1D8BD707-D9CF-40AE-B4C6-C98DA3205C09}" type="datetimeFigureOut">
               <a:rPr lang="en-US" smtClean="0"/>
               <a:pPr/>
-              <a:t>6/6/2024</a:t>
+              <a:t>6/7/2024</a:t>
             </a:fld>
             <a:endParaRPr lang="en-US"/>
           </a:p>
@@ -830,7 +829,7 @@
             <a:fld id="{1D8BD707-D9CF-40AE-B4C6-C98DA3205C09}" type="datetimeFigureOut">
               <a:rPr lang="en-US" smtClean="0"/>
               <a:pPr/>
-              <a:t>6/6/2024</a:t>
+              <a:t>6/7/2024</a:t>
             </a:fld>
             <a:endParaRPr lang="en-US"/>
           </a:p>
@@ -1072,7 +1071,7 @@
             <a:fld id="{1D8BD707-D9CF-40AE-B4C6-C98DA3205C09}" type="datetimeFigureOut">
               <a:rPr lang="en-US" smtClean="0"/>
               <a:pPr/>
-              <a:t>6/6/2024</a:t>
+              <a:t>6/7/2024</a:t>
             </a:fld>
             <a:endParaRPr lang="en-US"/>
           </a:p>
@@ -1354,7 +1353,7 @@
             <a:fld id="{1D8BD707-D9CF-40AE-B4C6-C98DA3205C09}" type="datetimeFigureOut">
               <a:rPr lang="en-US" smtClean="0"/>
               <a:pPr/>
-              <a:t>6/6/2024</a:t>
+              <a:t>6/7/2024</a:t>
             </a:fld>
             <a:endParaRPr lang="en-US"/>
           </a:p>
@@ -1770,7 +1769,7 @@
             <a:fld id="{1D8BD707-D9CF-40AE-B4C6-C98DA3205C09}" type="datetimeFigureOut">
               <a:rPr lang="en-US" smtClean="0"/>
               <a:pPr/>
-              <a:t>6/6/2024</a:t>
+              <a:t>6/7/2024</a:t>
             </a:fld>
             <a:endParaRPr lang="en-US"/>
           </a:p>
@@ -1884,7 +1883,7 @@
             <a:fld id="{1D8BD707-D9CF-40AE-B4C6-C98DA3205C09}" type="datetimeFigureOut">
               <a:rPr lang="en-US" smtClean="0"/>
               <a:pPr/>
-              <a:t>6/6/2024</a:t>
+              <a:t>6/7/2024</a:t>
             </a:fld>
             <a:endParaRPr lang="en-US"/>
           </a:p>
@@ -1976,7 +1975,7 @@
             <a:fld id="{1D8BD707-D9CF-40AE-B4C6-C98DA3205C09}" type="datetimeFigureOut">
               <a:rPr lang="en-US" smtClean="0"/>
               <a:pPr/>
-              <a:t>6/6/2024</a:t>
+              <a:t>6/7/2024</a:t>
             </a:fld>
             <a:endParaRPr lang="en-US"/>
           </a:p>
@@ -2248,7 +2247,7 @@
             <a:fld id="{1D8BD707-D9CF-40AE-B4C6-C98DA3205C09}" type="datetimeFigureOut">
               <a:rPr lang="en-US" smtClean="0"/>
               <a:pPr/>
-              <a:t>6/6/2024</a:t>
+              <a:t>6/7/2024</a:t>
             </a:fld>
             <a:endParaRPr lang="en-US"/>
           </a:p>
@@ -2497,7 +2496,7 @@
             <a:fld id="{1D8BD707-D9CF-40AE-B4C6-C98DA3205C09}" type="datetimeFigureOut">
               <a:rPr lang="en-US" smtClean="0"/>
               <a:pPr/>
-              <a:t>6/6/2024</a:t>
+              <a:t>6/7/2024</a:t>
             </a:fld>
             <a:endParaRPr lang="en-US"/>
           </a:p>
@@ -2705,7 +2704,7 @@
             <a:fld id="{1D8BD707-D9CF-40AE-B4C6-C98DA3205C09}" type="datetimeFigureOut">
               <a:rPr lang="en-US" smtClean="0"/>
               <a:pPr/>
-              <a:t>6/6/2024</a:t>
+              <a:t>6/7/2024</a:t>
             </a:fld>
             <a:endParaRPr lang="en-US"/>
           </a:p>
@@ -3925,6 +3924,69 @@
           </a:prstGeom>
         </p:spPr>
       </p:pic>
+      <p:sp>
+        <p:nvSpPr>
+          <p:cNvPr id="5" name="Text Box 10"/>
+          <p:cNvSpPr txBox="1">
+            <a:spLocks noChangeArrowheads="1"/>
+          </p:cNvSpPr>
+          <p:nvPr/>
+        </p:nvSpPr>
+        <p:spPr bwMode="auto">
+          <a:xfrm rot="10800000" flipV="1">
+            <a:off x="0" y="6519446"/>
+            <a:ext cx="1828800" cy="338554"/>
+          </a:xfrm>
+          <a:prstGeom prst="rect">
+            <a:avLst/>
+          </a:prstGeom>
+          <a:noFill/>
+          <a:ln w="9525">
+            <a:noFill/>
+            <a:miter lim="800000"/>
+            <a:headEnd/>
+            <a:tailEnd/>
+          </a:ln>
+          <a:effectLst/>
+        </p:spPr>
+        <p:txBody>
+          <a:bodyPr wrap="square">
+            <a:spAutoFit/>
+          </a:bodyPr>
+          <a:lstStyle/>
+          <a:p>
+            <a:pPr>
+              <a:spcBef>
+                <a:spcPct val="50000"/>
+              </a:spcBef>
+            </a:pPr>
+            <a:r>
+              <a:rPr lang="en-US" sz="1600" b="1" dirty="0">
+                <a:solidFill>
+                  <a:srgbClr val="FF0000"/>
+                </a:solidFill>
+              </a:rPr>
+              <a:t>Image </a:t>
+            </a:r>
+            <a:r>
+              <a:rPr lang="en-US" sz="1600" b="1" dirty="0" err="1">
+                <a:solidFill>
+                  <a:srgbClr val="FF0000"/>
+                </a:solidFill>
+              </a:rPr>
+              <a:t>ack</a:t>
+            </a:r>
+            <a:r>
+              <a:rPr lang="en-US" sz="1600" b="1" dirty="0">
+                <a:solidFill>
+                  <a:srgbClr val="FF0000"/>
+                </a:solidFill>
+              </a:rPr>
+              <a:t> – Google</a:t>
+            </a:r>
+          </a:p>
+        </p:txBody>
+      </p:sp>
     </p:spTree>
   </p:cSld>
   <p:clrMapOvr>
@@ -4060,6 +4122,69 @@
           </a:prstGeom>
         </p:spPr>
       </p:pic>
+      <p:sp>
+        <p:nvSpPr>
+          <p:cNvPr id="6" name="Text Box 10"/>
+          <p:cNvSpPr txBox="1">
+            <a:spLocks noChangeArrowheads="1"/>
+          </p:cNvSpPr>
+          <p:nvPr/>
+        </p:nvSpPr>
+        <p:spPr bwMode="auto">
+          <a:xfrm rot="10800000" flipV="1">
+            <a:off x="0" y="6519446"/>
+            <a:ext cx="1828800" cy="338554"/>
+          </a:xfrm>
+          <a:prstGeom prst="rect">
+            <a:avLst/>
+          </a:prstGeom>
+          <a:noFill/>
+          <a:ln w="9525">
+            <a:noFill/>
+            <a:miter lim="800000"/>
+            <a:headEnd/>
+            <a:tailEnd/>
+          </a:ln>
+          <a:effectLst/>
+        </p:spPr>
+        <p:txBody>
+          <a:bodyPr wrap="square">
+            <a:spAutoFit/>
+          </a:bodyPr>
+          <a:lstStyle/>
+          <a:p>
+            <a:pPr>
+              <a:spcBef>
+                <a:spcPct val="50000"/>
+              </a:spcBef>
+            </a:pPr>
+            <a:r>
+              <a:rPr lang="en-US" sz="1600" b="1" dirty="0">
+                <a:solidFill>
+                  <a:srgbClr val="FF0000"/>
+                </a:solidFill>
+              </a:rPr>
+              <a:t>Image </a:t>
+            </a:r>
+            <a:r>
+              <a:rPr lang="en-US" sz="1600" b="1" dirty="0" err="1">
+                <a:solidFill>
+                  <a:srgbClr val="FF0000"/>
+                </a:solidFill>
+              </a:rPr>
+              <a:t>ack</a:t>
+            </a:r>
+            <a:r>
+              <a:rPr lang="en-US" sz="1600" b="1" dirty="0">
+                <a:solidFill>
+                  <a:srgbClr val="FF0000"/>
+                </a:solidFill>
+              </a:rPr>
+              <a:t> – Google</a:t>
+            </a:r>
+          </a:p>
+        </p:txBody>
+      </p:sp>
     </p:spTree>
   </p:cSld>
   <p:clrMapOvr>
@@ -4204,7 +4329,7 @@
           <p:cNvPr id="5" name="Picture 4">
             <a:extLst>
               <a:ext uri="{FF2B5EF4-FFF2-40B4-BE49-F238E27FC236}">
-                <a16:creationId xmlns:a16="http://schemas.microsoft.com/office/drawing/2014/main" xmlns="" id="{37FFD1EE-5EB8-46F6-AB39-7DB7C9605B8A}"/>
+                <a16:creationId xmlns="" xmlns:a16="http://schemas.microsoft.com/office/drawing/2014/main" id="{37FFD1EE-5EB8-46F6-AB39-7DB7C9605B8A}"/>
               </a:ext>
             </a:extLst>
           </p:cNvPr>
@@ -4217,7 +4342,7 @@
           <a:blip r:embed="rId2">
             <a:extLst>
               <a:ext uri="{28A0092B-C50C-407E-A947-70E740481C1C}">
-                <a14:useLocalDpi xmlns:a14="http://schemas.microsoft.com/office/drawing/2010/main" xmlns="" val="0"/>
+                <a14:useLocalDpi xmlns="" xmlns:a14="http://schemas.microsoft.com/office/drawing/2010/main" val="0"/>
               </a:ext>
             </a:extLst>
           </a:blip>
@@ -4235,6 +4360,69 @@
           </a:prstGeom>
         </p:spPr>
       </p:pic>
+      <p:sp>
+        <p:nvSpPr>
+          <p:cNvPr id="6" name="Text Box 10"/>
+          <p:cNvSpPr txBox="1">
+            <a:spLocks noChangeArrowheads="1"/>
+          </p:cNvSpPr>
+          <p:nvPr/>
+        </p:nvSpPr>
+        <p:spPr bwMode="auto">
+          <a:xfrm rot="10800000" flipV="1">
+            <a:off x="0" y="6519446"/>
+            <a:ext cx="1828800" cy="338554"/>
+          </a:xfrm>
+          <a:prstGeom prst="rect">
+            <a:avLst/>
+          </a:prstGeom>
+          <a:noFill/>
+          <a:ln w="9525">
+            <a:noFill/>
+            <a:miter lim="800000"/>
+            <a:headEnd/>
+            <a:tailEnd/>
+          </a:ln>
+          <a:effectLst/>
+        </p:spPr>
+        <p:txBody>
+          <a:bodyPr wrap="square">
+            <a:spAutoFit/>
+          </a:bodyPr>
+          <a:lstStyle/>
+          <a:p>
+            <a:pPr>
+              <a:spcBef>
+                <a:spcPct val="50000"/>
+              </a:spcBef>
+            </a:pPr>
+            <a:r>
+              <a:rPr lang="en-US" sz="1600" b="1" dirty="0">
+                <a:solidFill>
+                  <a:srgbClr val="FF0000"/>
+                </a:solidFill>
+              </a:rPr>
+              <a:t>Image </a:t>
+            </a:r>
+            <a:r>
+              <a:rPr lang="en-US" sz="1600" b="1" dirty="0" err="1">
+                <a:solidFill>
+                  <a:srgbClr val="FF0000"/>
+                </a:solidFill>
+              </a:rPr>
+              <a:t>ack</a:t>
+            </a:r>
+            <a:r>
+              <a:rPr lang="en-US" sz="1600" b="1" dirty="0">
+                <a:solidFill>
+                  <a:srgbClr val="FF0000"/>
+                </a:solidFill>
+              </a:rPr>
+              <a:t> – Google</a:t>
+            </a:r>
+          </a:p>
+        </p:txBody>
+      </p:sp>
     </p:spTree>
   </p:cSld>
   <p:clrMapOvr>
@@ -4328,7 +4516,7 @@
     </p:spTree>
     <p:extLst>
       <p:ext uri="{BB962C8B-B14F-4D97-AF65-F5344CB8AC3E}">
-        <p14:creationId xmlns:p14="http://schemas.microsoft.com/office/powerpoint/2010/main" xmlns="" val="3487879264"/>
+        <p14:creationId xmlns="" xmlns:p14="http://schemas.microsoft.com/office/powerpoint/2010/main" val="3487879264"/>
       </p:ext>
     </p:extLst>
   </p:cSld>
@@ -4379,11 +4567,7 @@
           <a:p>
             <a:r>
               <a:rPr lang="en-IN" dirty="0" smtClean="0"/>
-              <a:t>Edge AI – </a:t>
-            </a:r>
-            <a:r>
-              <a:rPr lang="en-IN" dirty="0" smtClean="0"/>
-              <a:t>Healthcare</a:t>
+              <a:t>Edge AI – Healthcare</a:t>
             </a:r>
             <a:endParaRPr lang="en-IN" dirty="0"/>
           </a:p>
@@ -4408,23 +4592,14 @@
           <a:p>
             <a:r>
               <a:rPr lang="en-IN" dirty="0" smtClean="0"/>
-              <a:t>Wearable edge </a:t>
-            </a:r>
+              <a:t>Wearable edge AI devices</a:t>
+            </a:r>
+          </a:p>
+          <a:p>
             <a:r>
               <a:rPr lang="en-IN" dirty="0" smtClean="0"/>
-              <a:t>AI devices</a:t>
-            </a:r>
-          </a:p>
-          <a:p>
-            <a:r>
-              <a:rPr lang="en-IN" dirty="0" smtClean="0"/>
-              <a:t>Wearable </a:t>
-            </a:r>
-            <a:r>
-              <a:rPr lang="en-IN" dirty="0" smtClean="0"/>
-              <a:t>health monitors </a:t>
-            </a:r>
-            <a:endParaRPr lang="en-IN" dirty="0" smtClean="0"/>
+              <a:t>Wearable health monitors </a:t>
+            </a:r>
           </a:p>
           <a:p>
             <a:pPr lvl="1"/>
@@ -4439,7 +4614,6 @@
               <a:rPr lang="en-IN" dirty="0" smtClean="0"/>
               <a:t>Glucose levels, respiration rate</a:t>
             </a:r>
-            <a:endParaRPr lang="en-IN" dirty="0" smtClean="0"/>
           </a:p>
           <a:p>
             <a:r>
@@ -4450,22 +4624,13 @@
           <a:p>
             <a:r>
               <a:rPr lang="en-IN" dirty="0" smtClean="0"/>
-              <a:t>Reduce response </a:t>
-            </a:r>
+              <a:t>Reduce response time</a:t>
+            </a:r>
+          </a:p>
+          <a:p>
             <a:r>
               <a:rPr lang="en-IN" dirty="0" smtClean="0"/>
-              <a:t>time</a:t>
-            </a:r>
-            <a:endParaRPr lang="en-IN" dirty="0" smtClean="0"/>
-          </a:p>
-          <a:p>
-            <a:r>
-              <a:rPr lang="en-IN" dirty="0" smtClean="0"/>
-              <a:t>Patient </a:t>
-            </a:r>
-            <a:r>
-              <a:rPr lang="en-IN" dirty="0" smtClean="0"/>
-              <a:t>privacy </a:t>
+              <a:t>Patient privacy </a:t>
             </a:r>
           </a:p>
         </p:txBody>
@@ -4519,11 +4684,7 @@
           <a:p>
             <a:r>
               <a:rPr lang="en-IN" dirty="0" smtClean="0"/>
-              <a:t>Edge AI – </a:t>
-            </a:r>
-            <a:r>
-              <a:rPr lang="en-IN" dirty="0" smtClean="0"/>
-              <a:t>Manufacturing</a:t>
+              <a:t>Edge AI – Manufacturing</a:t>
             </a:r>
             <a:endParaRPr lang="en-IN" dirty="0"/>
           </a:p>
@@ -4548,11 +4709,7 @@
           <a:p>
             <a:r>
               <a:rPr lang="en-IN" dirty="0" smtClean="0"/>
-              <a:t>Sensor </a:t>
-            </a:r>
-            <a:r>
-              <a:rPr lang="en-IN" dirty="0" smtClean="0"/>
-              <a:t>devices &amp; </a:t>
+              <a:t>Sensor devices &amp; </a:t>
             </a:r>
             <a:r>
               <a:rPr lang="en-IN" dirty="0" err="1" smtClean="0"/>
@@ -4572,47 +4729,25 @@
           <a:p>
             <a:r>
               <a:rPr lang="en-IN" dirty="0" smtClean="0"/>
-              <a:t>Prevent operational </a:t>
-            </a:r>
+              <a:t>Prevent operational downtime </a:t>
+            </a:r>
+          </a:p>
+          <a:p>
             <a:r>
               <a:rPr lang="en-IN" dirty="0" smtClean="0"/>
-              <a:t>downtime </a:t>
-            </a:r>
-            <a:endParaRPr lang="en-IN" dirty="0" smtClean="0"/>
+              <a:t>Enhance efficiency and productivity</a:t>
+            </a:r>
           </a:p>
           <a:p>
             <a:r>
               <a:rPr lang="en-IN" dirty="0" smtClean="0"/>
-              <a:t>Enhance efficiency </a:t>
-            </a:r>
+              <a:t>Supply chain analytics</a:t>
+            </a:r>
+          </a:p>
+          <a:p>
             <a:r>
               <a:rPr lang="en-IN" dirty="0" smtClean="0"/>
-              <a:t>and </a:t>
-            </a:r>
-            <a:r>
-              <a:rPr lang="en-IN" dirty="0" smtClean="0"/>
-              <a:t>productivity</a:t>
-            </a:r>
-          </a:p>
-          <a:p>
-            <a:r>
-              <a:rPr lang="en-IN" dirty="0" smtClean="0"/>
-              <a:t>Supply </a:t>
-            </a:r>
-            <a:r>
-              <a:rPr lang="en-IN" dirty="0" smtClean="0"/>
-              <a:t>chain analytics</a:t>
-            </a:r>
-            <a:endParaRPr lang="en-IN" dirty="0" smtClean="0"/>
-          </a:p>
-          <a:p>
-            <a:r>
-              <a:rPr lang="en-IN" dirty="0" smtClean="0"/>
-              <a:t>Q</a:t>
-            </a:r>
-            <a:r>
-              <a:rPr lang="en-IN" dirty="0" smtClean="0"/>
-              <a:t>uality control</a:t>
+              <a:t>Quality control</a:t>
             </a:r>
             <a:endParaRPr lang="en-IN" dirty="0"/>
           </a:p>
@@ -4667,11 +4802,7 @@
           <a:p>
             <a:r>
               <a:rPr lang="en-IN" dirty="0" smtClean="0"/>
-              <a:t>Edge AI – </a:t>
-            </a:r>
-            <a:r>
-              <a:rPr lang="en-IN" dirty="0" smtClean="0"/>
-              <a:t>Retail</a:t>
+              <a:t>Edge AI – Retail</a:t>
             </a:r>
             <a:endParaRPr lang="en-IN" dirty="0"/>
           </a:p>
@@ -4702,15 +4833,7 @@
           <a:p>
             <a:r>
               <a:rPr lang="en-IN" dirty="0" smtClean="0"/>
-              <a:t>Smart </a:t>
-            </a:r>
-            <a:r>
-              <a:rPr lang="en-IN" dirty="0" smtClean="0"/>
-              <a:t>shopping </a:t>
-            </a:r>
-            <a:r>
-              <a:rPr lang="en-IN" dirty="0" smtClean="0"/>
-              <a:t>carts</a:t>
+              <a:t>Smart shopping carts</a:t>
             </a:r>
           </a:p>
           <a:p>
@@ -4730,11 +4853,7 @@
             </a:r>
             <a:r>
               <a:rPr lang="en-IN" dirty="0" smtClean="0"/>
-              <a:t> </a:t>
-            </a:r>
-            <a:r>
-              <a:rPr lang="en-IN" dirty="0" smtClean="0"/>
-              <a:t>devices</a:t>
+              <a:t> devices</a:t>
             </a:r>
             <a:endParaRPr lang="en-IN" dirty="0"/>
           </a:p>
@@ -4907,15 +5026,7 @@
           <a:p>
             <a:r>
               <a:rPr lang="en-IN" dirty="0" smtClean="0"/>
-              <a:t>Edge AI – </a:t>
-            </a:r>
-            <a:r>
-              <a:rPr lang="en-IN" dirty="0" smtClean="0"/>
-              <a:t>Smart </a:t>
-            </a:r>
-            <a:r>
-              <a:rPr lang="en-IN" dirty="0" smtClean="0"/>
-              <a:t>Homes</a:t>
+              <a:t>Edge AI – Smart Homes</a:t>
             </a:r>
             <a:endParaRPr lang="en-IN" dirty="0"/>
           </a:p>
@@ -4946,27 +5057,14 @@
           <a:p>
             <a:r>
               <a:rPr lang="en-IN" dirty="0" smtClean="0"/>
-              <a:t>Smart doorbells</a:t>
-            </a:r>
+              <a:t>Smart doorbells, thermostats, refrigerators </a:t>
+            </a:r>
+          </a:p>
+          <a:p>
             <a:r>
               <a:rPr lang="en-IN" dirty="0" smtClean="0"/>
-              <a:t>, thermostats, </a:t>
-            </a:r>
-            <a:r>
-              <a:rPr lang="en-IN" dirty="0" smtClean="0"/>
-              <a:t>refrigerators </a:t>
-            </a:r>
-          </a:p>
-          <a:p>
-            <a:r>
-              <a:rPr lang="en-IN" dirty="0" smtClean="0"/>
-              <a:t>Start entertainment </a:t>
-            </a:r>
-            <a:r>
-              <a:rPr lang="en-IN" dirty="0" smtClean="0"/>
-              <a:t>systems </a:t>
-            </a:r>
-            <a:endParaRPr lang="en-IN" dirty="0" smtClean="0"/>
+              <a:t>Start entertainment systems </a:t>
+            </a:r>
           </a:p>
           <a:p>
             <a:r>
@@ -4983,15 +5081,7 @@
           <a:p>
             <a:r>
               <a:rPr lang="en-IN" dirty="0" smtClean="0"/>
-              <a:t>Real </a:t>
-            </a:r>
-            <a:r>
-              <a:rPr lang="en-IN" dirty="0" smtClean="0"/>
-              <a:t>time </a:t>
-            </a:r>
-            <a:r>
-              <a:rPr lang="en-IN" dirty="0" smtClean="0"/>
-              <a:t>monitoring</a:t>
+              <a:t>Real time monitoring</a:t>
             </a:r>
           </a:p>
           <a:p>
@@ -4999,7 +5089,6 @@
               <a:rPr lang="en-IN" dirty="0" smtClean="0"/>
               <a:t>Resident's privacy</a:t>
             </a:r>
-            <a:endParaRPr lang="en-IN" dirty="0" smtClean="0"/>
           </a:p>
           <a:p>
             <a:endParaRPr lang="en-IN" dirty="0" smtClean="0"/>
@@ -5060,15 +5149,7 @@
           <a:p>
             <a:r>
               <a:rPr lang="en-IN" dirty="0" smtClean="0"/>
-              <a:t>Edge AI – </a:t>
-            </a:r>
-            <a:r>
-              <a:rPr lang="en-IN" dirty="0" smtClean="0"/>
-              <a:t>Security </a:t>
-            </a:r>
-            <a:r>
-              <a:rPr lang="en-IN" dirty="0" smtClean="0"/>
-              <a:t>&amp; Surveillance</a:t>
+              <a:t>Edge AI – Security &amp; Surveillance</a:t>
             </a:r>
             <a:endParaRPr lang="en-IN" dirty="0"/>
           </a:p>
@@ -5093,21 +5174,13 @@
           <a:p>
             <a:r>
               <a:rPr lang="en-IN" dirty="0" smtClean="0"/>
-              <a:t>Security video </a:t>
-            </a:r>
+              <a:t>Security video analytics</a:t>
+            </a:r>
+          </a:p>
+          <a:p>
             <a:r>
               <a:rPr lang="en-IN" dirty="0" smtClean="0"/>
-              <a:t>analytics</a:t>
-            </a:r>
-          </a:p>
-          <a:p>
-            <a:r>
-              <a:rPr lang="en-IN" dirty="0" smtClean="0"/>
-              <a:t>Real time </a:t>
-            </a:r>
-            <a:r>
-              <a:rPr lang="en-IN" dirty="0" smtClean="0"/>
-              <a:t>analysis</a:t>
+              <a:t>Real time analysis</a:t>
             </a:r>
           </a:p>
           <a:p>
@@ -5121,7 +5194,6 @@
               <a:rPr lang="en-IN" dirty="0" smtClean="0"/>
               <a:t>Stronger sense of safety</a:t>
             </a:r>
-            <a:endParaRPr lang="en-IN" dirty="0" smtClean="0"/>
           </a:p>
           <a:p>
             <a:endParaRPr lang="en-IN" dirty="0" smtClean="0"/>
@@ -5167,108 +5239,6 @@
             <a:spLocks noGrp="1"/>
           </p:cNvSpPr>
           <p:nvPr>
-            <p:ph type="title"/>
-          </p:nvPr>
-        </p:nvSpPr>
-        <p:spPr/>
-        <p:txBody>
-          <a:bodyPr>
-            <a:normAutofit/>
-          </a:bodyPr>
-          <a:lstStyle/>
-          <a:p>
-            <a:r>
-              <a:rPr lang="en-IN" dirty="0" smtClean="0"/>
-              <a:t>Edge AI – </a:t>
-            </a:r>
-            <a:r>
-              <a:rPr lang="en-IN" dirty="0" smtClean="0"/>
-              <a:t>Security </a:t>
-            </a:r>
-            <a:r>
-              <a:rPr lang="en-IN" dirty="0" smtClean="0"/>
-              <a:t>&amp; Surveillance</a:t>
-            </a:r>
-            <a:endParaRPr lang="en-IN" dirty="0"/>
-          </a:p>
-        </p:txBody>
-      </p:sp>
-      <p:sp>
-        <p:nvSpPr>
-          <p:cNvPr id="3" name="Content Placeholder 2"/>
-          <p:cNvSpPr>
-            <a:spLocks noGrp="1"/>
-          </p:cNvSpPr>
-          <p:nvPr>
-            <p:ph idx="1"/>
-          </p:nvPr>
-        </p:nvSpPr>
-        <p:spPr/>
-        <p:txBody>
-          <a:bodyPr>
-            <a:normAutofit/>
-          </a:bodyPr>
-          <a:lstStyle/>
-          <a:p>
-            <a:r>
-              <a:rPr lang="en-IN" dirty="0" smtClean="0"/>
-              <a:t>Autonomous </a:t>
-            </a:r>
-            <a:r>
-              <a:rPr lang="en-IN" dirty="0" smtClean="0"/>
-              <a:t>vehicles</a:t>
-            </a:r>
-          </a:p>
-          <a:p>
-            <a:r>
-              <a:rPr lang="en-IN" dirty="0" smtClean="0"/>
-              <a:t>Autonomous drones</a:t>
-            </a:r>
-          </a:p>
-          <a:p>
-            <a:endParaRPr lang="en-IN" dirty="0"/>
-          </a:p>
-        </p:txBody>
-      </p:sp>
-    </p:spTree>
-  </p:cSld>
-  <p:clrMapOvr>
-    <a:masterClrMapping/>
-  </p:clrMapOvr>
-  <p:timing>
-    <p:tnLst>
-      <p:par>
-        <p:cTn id="1" dur="indefinite" restart="never" nodeType="tmRoot"/>
-      </p:par>
-    </p:tnLst>
-  </p:timing>
-</p:sld>
-</file>
-
-<file path=ppt/slides/slide23.xml><?xml version="1.0" encoding="utf-8"?>
-<p:sld xmlns:a="http://schemas.openxmlformats.org/drawingml/2006/main" xmlns:r="http://schemas.openxmlformats.org/officeDocument/2006/relationships" xmlns:p="http://schemas.openxmlformats.org/presentationml/2006/main">
-  <p:cSld>
-    <p:spTree>
-      <p:nvGrpSpPr>
-        <p:cNvPr id="1" name=""/>
-        <p:cNvGrpSpPr/>
-        <p:nvPr/>
-      </p:nvGrpSpPr>
-      <p:grpSpPr>
-        <a:xfrm>
-          <a:off x="0" y="0"/>
-          <a:ext cx="0" cy="0"/>
-          <a:chOff x="0" y="0"/>
-          <a:chExt cx="0" cy="0"/>
-        </a:xfrm>
-      </p:grpSpPr>
-      <p:sp>
-        <p:nvSpPr>
-          <p:cNvPr id="2" name="Title 1"/>
-          <p:cNvSpPr>
-            <a:spLocks noGrp="1"/>
-          </p:cNvSpPr>
-          <p:nvPr>
             <p:ph type="ctrTitle"/>
           </p:nvPr>
         </p:nvSpPr>
@@ -5736,7 +5706,7 @@
         </p:nvGraphicFramePr>
         <p:xfrm>
           <a:off x="457200" y="1600200"/>
-          <a:ext cx="8229600" cy="3383280"/>
+          <a:ext cx="8229600" cy="3474720"/>
         </p:xfrm>
         <a:graphic>
           <a:graphicData uri="http://schemas.openxmlformats.org/drawingml/2006/table">
@@ -5745,9 +5715,9 @@
                 <a:tableStyleId>{5C22544A-7EE6-4342-B048-85BDC9FD1C3A}</a:tableStyleId>
               </a:tblPr>
               <a:tblGrid>
-                <a:gridCol w="3328982"/>
-                <a:gridCol w="2500330"/>
-                <a:gridCol w="2400288"/>
+                <a:gridCol w="3757610"/>
+                <a:gridCol w="2357454"/>
+                <a:gridCol w="2114536"/>
               </a:tblGrid>
               <a:tr h="370840">
                 <a:tc>
@@ -5808,7 +5778,11 @@
                     <a:p>
                       <a:r>
                         <a:rPr lang="en-IN" sz="3200" dirty="0" smtClean="0"/>
-                        <a:t>Computing power</a:t>
+                        <a:t>Computing </a:t>
+                      </a:r>
+                      <a:r>
+                        <a:rPr lang="en-IN" sz="3200" dirty="0" smtClean="0"/>
+                        <a:t>Power</a:t>
                       </a:r>
                       <a:endParaRPr lang="en-IN" sz="3200" dirty="0"/>
                     </a:p>
@@ -5900,7 +5874,11 @@
                     <a:p>
                       <a:r>
                         <a:rPr lang="en-IN" sz="3200" dirty="0" smtClean="0"/>
-                        <a:t>Network bandwidth</a:t>
+                        <a:t>Network </a:t>
+                      </a:r>
+                      <a:r>
+                        <a:rPr lang="en-IN" sz="3200" dirty="0" smtClean="0"/>
+                        <a:t>Bandwidth</a:t>
                       </a:r>
                       <a:endParaRPr lang="en-IN" sz="3200" dirty="0"/>
                     </a:p>
@@ -5980,6 +5958,50 @@
                   <a:tcPr/>
                 </a:tc>
               </a:tr>
+              <a:tr h="370840">
+                <a:tc>
+                  <a:txBody>
+                    <a:bodyPr/>
+                    <a:lstStyle/>
+                    <a:p>
+                      <a:r>
+                        <a:rPr lang="en-IN" sz="3200" dirty="0" smtClean="0"/>
+                        <a:t>Data Privacy</a:t>
+                      </a:r>
+                      <a:endParaRPr lang="en-IN" sz="3200" dirty="0"/>
+                    </a:p>
+                  </a:txBody>
+                  <a:tcPr/>
+                </a:tc>
+                <a:tc>
+                  <a:txBody>
+                    <a:bodyPr/>
+                    <a:lstStyle/>
+                    <a:p>
+                      <a:r>
+                        <a:rPr lang="en-IN" sz="3200" dirty="0" smtClean="0"/>
+                        <a:t>Less</a:t>
+                      </a:r>
+                      <a:endParaRPr lang="en-IN" sz="3200" dirty="0"/>
+                    </a:p>
+                  </a:txBody>
+                  <a:tcPr/>
+                </a:tc>
+                <a:tc>
+                  <a:txBody>
+                    <a:bodyPr/>
+                    <a:lstStyle/>
+                    <a:p>
+                      <a:r>
+                        <a:rPr lang="en-IN" sz="3200" dirty="0" smtClean="0"/>
+                        <a:t>More</a:t>
+                      </a:r>
+                      <a:endParaRPr lang="en-IN" sz="3200" dirty="0"/>
+                    </a:p>
+                  </a:txBody>
+                  <a:tcPr/>
+                </a:tc>
+              </a:tr>
             </a:tbl>
           </a:graphicData>
         </a:graphic>
@@ -6199,11 +6221,7 @@
             </a:r>
             <a:r>
               <a:rPr lang="en-IN" dirty="0" smtClean="0"/>
-              <a:t>) </a:t>
-            </a:r>
-            <a:r>
-              <a:rPr lang="en-IN" dirty="0" smtClean="0"/>
-              <a:t>devices</a:t>
+              <a:t>) devices</a:t>
             </a:r>
             <a:endParaRPr lang="en-IN" dirty="0"/>
           </a:p>
